--- a/Daily(written_in_Korean)/191130.pptx
+++ b/Daily(written_in_Korean)/191130.pptx
@@ -5902,8 +5902,8 @@
           </a:p>
         </p:txBody>
       </p:sp>
-      <mc:AlternateContent xmlns:mc="http://schemas.openxmlformats.org/markup-compatibility/2006">
-        <mc:Choice xmlns:a14="http://schemas.microsoft.com/office/drawing/2010/main" Requires="a14">
+      <mc:AlternateContent xmlns:mc="http://schemas.openxmlformats.org/markup-compatibility/2006" xmlns:a14="http://schemas.microsoft.com/office/drawing/2010/main">
+        <mc:Choice Requires="a14">
           <p:sp>
             <p:nvSpPr>
               <p:cNvPr id="3" name="내용 개체 틀 2">
@@ -6283,7 +6283,7 @@
             </p:txBody>
           </p:sp>
         </mc:Choice>
-        <mc:Fallback>
+        <mc:Fallback xmlns="">
           <p:sp>
             <p:nvSpPr>
               <p:cNvPr id="3" name="내용 개체 틀 2">
@@ -6418,12 +6418,32 @@
               <a:t>threshold </a:t>
             </a:r>
             <a:r>
-              <a:rPr lang="ko-KR" altLang="en-US"/>
+              <a:rPr lang="ko-KR" altLang="en-US" dirty="0"/>
               <a:t>근처에 있어야함</a:t>
             </a:r>
             <a:endParaRPr lang="en-US" altLang="ko-KR" dirty="0"/>
           </a:p>
           <a:p>
+            <a:r>
+              <a:rPr lang="en-US" altLang="ko-KR" dirty="0"/>
+              <a:t>MNTP </a:t>
+            </a:r>
+            <a:r>
+              <a:rPr lang="ko-KR" altLang="en-US" dirty="0"/>
+              <a:t>논문 참고</a:t>
+            </a:r>
+            <a:r>
+              <a:rPr lang="en-US" altLang="ko-KR" dirty="0"/>
+              <a:t>, </a:t>
+            </a:r>
+            <a:r>
+              <a:rPr lang="ko-KR" altLang="en-US" dirty="0"/>
+              <a:t>무슨 </a:t>
+            </a:r>
+            <a:r>
+              <a:rPr lang="ko-KR" altLang="en-US"/>
+              <a:t>문제점 있음</a:t>
+            </a:r>
             <a:endParaRPr lang="en-US" altLang="ko-KR" dirty="0"/>
           </a:p>
           <a:p>
